--- a/icon.pptx
+++ b/icon.pptx
@@ -104,6 +104,11 @@
       </a:defRPr>
     </a:lvl9pPr>
   </p:defaultTextStyle>
+  <p:extLst>
+    <p:ext uri="{EFAFB233-063F-42B5-8137-9DF3F51BA10A}">
+      <p15:sldGuideLst xmlns:p15="http://schemas.microsoft.com/office/powerpoint/2012/main"/>
+    </p:ext>
+  </p:extLst>
 </p:presentation>
 </file>
 
@@ -3323,10 +3328,10 @@
       </p:grpSpPr>
       <p:grpSp>
         <p:nvGrpSpPr>
-          <p:cNvPr id="8" name="组合 7">
-            <a:extLst>
-              <a:ext uri="{FF2B5EF4-FFF2-40B4-BE49-F238E27FC236}">
-                <a16:creationId xmlns:a16="http://schemas.microsoft.com/office/drawing/2014/main" id="{88986C2F-EC81-72E0-8E93-1E060FA5C4DE}"/>
+          <p:cNvPr id="3" name="组合 2">
+            <a:extLst>
+              <a:ext uri="{FF2B5EF4-FFF2-40B4-BE49-F238E27FC236}">
+                <a16:creationId xmlns:a16="http://schemas.microsoft.com/office/drawing/2014/main" id="{3FEFAF8F-6F34-98DB-481F-00428996BEC6}"/>
               </a:ext>
             </a:extLst>
           </p:cNvPr>
@@ -3361,6 +3366,12 @@
             <a:prstGeom prst="roundRect">
               <a:avLst/>
             </a:prstGeom>
+            <a:solidFill>
+              <a:schemeClr val="accent2"/>
+            </a:solidFill>
+            <a:ln>
+              <a:noFill/>
+            </a:ln>
           </p:spPr>
           <p:style>
             <a:lnRef idx="2">
@@ -3401,15 +3412,21 @@
           </p:nvSpPr>
           <p:spPr>
             <a:xfrm>
-              <a:off x="4106013" y="1857374"/>
-              <a:ext cx="3178741" cy="3295650"/>
+              <a:off x="4106013" y="2083980"/>
+              <a:ext cx="3178741" cy="3069043"/>
             </a:xfrm>
             <a:prstGeom prst="rect">
               <a:avLst/>
             </a:prstGeom>
             <a:solidFill>
-              <a:schemeClr val="bg1"/>
+              <a:schemeClr val="accent4">
+                <a:lumMod val="20000"/>
+                <a:lumOff val="80000"/>
+              </a:schemeClr>
             </a:solidFill>
+            <a:ln>
+              <a:noFill/>
+            </a:ln>
           </p:spPr>
           <p:style>
             <a:lnRef idx="2">
@@ -3450,12 +3467,18 @@
           </p:nvSpPr>
           <p:spPr>
             <a:xfrm flipV="1">
-              <a:off x="3394002" y="3429000"/>
-              <a:ext cx="4602764" cy="2208013"/>
+              <a:off x="3845366" y="3429000"/>
+              <a:ext cx="3700033" cy="1828800"/>
             </a:xfrm>
             <a:prstGeom prst="round2SameRect">
               <a:avLst/>
             </a:prstGeom>
+            <a:solidFill>
+              <a:srgbClr val="00B0F0"/>
+            </a:solidFill>
+            <a:ln>
+              <a:noFill/>
+            </a:ln>
           </p:spPr>
           <p:style>
             <a:lnRef idx="2">
